--- a/Project-3.pptx
+++ b/Project-3.pptx
@@ -302,7 +302,7 @@
           <a:p>
             <a:fld id="{BCEC6587-7B53-4535-A78A-191FCA4C1A25}" type="datetimeFigureOut">
               <a:rPr lang="en-US" smtClean="0"/>
-              <a:t>9/26/2023</a:t>
+              <a:t>9/26/23</a:t>
             </a:fld>
             <a:endParaRPr lang="en-US"/>
           </a:p>
@@ -500,7 +500,7 @@
           <a:p>
             <a:fld id="{BCEC6587-7B53-4535-A78A-191FCA4C1A25}" type="datetimeFigureOut">
               <a:rPr lang="en-US" smtClean="0"/>
-              <a:t>9/26/2023</a:t>
+              <a:t>9/26/23</a:t>
             </a:fld>
             <a:endParaRPr lang="en-US"/>
           </a:p>
@@ -708,7 +708,7 @@
           <a:p>
             <a:fld id="{BCEC6587-7B53-4535-A78A-191FCA4C1A25}" type="datetimeFigureOut">
               <a:rPr lang="en-US" smtClean="0"/>
-              <a:t>9/26/2023</a:t>
+              <a:t>9/26/23</a:t>
             </a:fld>
             <a:endParaRPr lang="en-US"/>
           </a:p>
@@ -906,7 +906,7 @@
           <a:p>
             <a:fld id="{BCEC6587-7B53-4535-A78A-191FCA4C1A25}" type="datetimeFigureOut">
               <a:rPr lang="en-US" smtClean="0"/>
-              <a:t>9/26/2023</a:t>
+              <a:t>9/26/23</a:t>
             </a:fld>
             <a:endParaRPr lang="en-US"/>
           </a:p>
@@ -1181,7 +1181,7 @@
           <a:p>
             <a:fld id="{BCEC6587-7B53-4535-A78A-191FCA4C1A25}" type="datetimeFigureOut">
               <a:rPr lang="en-US" smtClean="0"/>
-              <a:t>9/26/2023</a:t>
+              <a:t>9/26/23</a:t>
             </a:fld>
             <a:endParaRPr lang="en-US"/>
           </a:p>
@@ -1446,7 +1446,7 @@
           <a:p>
             <a:fld id="{BCEC6587-7B53-4535-A78A-191FCA4C1A25}" type="datetimeFigureOut">
               <a:rPr lang="en-US" smtClean="0"/>
-              <a:t>9/26/2023</a:t>
+              <a:t>9/26/23</a:t>
             </a:fld>
             <a:endParaRPr lang="en-US"/>
           </a:p>
@@ -1858,7 +1858,7 @@
           <a:p>
             <a:fld id="{BCEC6587-7B53-4535-A78A-191FCA4C1A25}" type="datetimeFigureOut">
               <a:rPr lang="en-US" smtClean="0"/>
-              <a:t>9/26/2023</a:t>
+              <a:t>9/26/23</a:t>
             </a:fld>
             <a:endParaRPr lang="en-US"/>
           </a:p>
@@ -1999,7 +1999,7 @@
           <a:p>
             <a:fld id="{BCEC6587-7B53-4535-A78A-191FCA4C1A25}" type="datetimeFigureOut">
               <a:rPr lang="en-US" smtClean="0"/>
-              <a:t>9/26/2023</a:t>
+              <a:t>9/26/23</a:t>
             </a:fld>
             <a:endParaRPr lang="en-US"/>
           </a:p>
@@ -2112,7 +2112,7 @@
           <a:p>
             <a:fld id="{BCEC6587-7B53-4535-A78A-191FCA4C1A25}" type="datetimeFigureOut">
               <a:rPr lang="en-US" smtClean="0"/>
-              <a:t>9/26/2023</a:t>
+              <a:t>9/26/23</a:t>
             </a:fld>
             <a:endParaRPr lang="en-US"/>
           </a:p>
@@ -2423,7 +2423,7 @@
           <a:p>
             <a:fld id="{BCEC6587-7B53-4535-A78A-191FCA4C1A25}" type="datetimeFigureOut">
               <a:rPr lang="en-US" smtClean="0"/>
-              <a:t>9/26/2023</a:t>
+              <a:t>9/26/23</a:t>
             </a:fld>
             <a:endParaRPr lang="en-US"/>
           </a:p>
@@ -2711,7 +2711,7 @@
           <a:p>
             <a:fld id="{BCEC6587-7B53-4535-A78A-191FCA4C1A25}" type="datetimeFigureOut">
               <a:rPr lang="en-US" smtClean="0"/>
-              <a:t>9/26/2023</a:t>
+              <a:t>9/26/23</a:t>
             </a:fld>
             <a:endParaRPr lang="en-US"/>
           </a:p>
@@ -2952,7 +2952,7 @@
           <a:p>
             <a:fld id="{BCEC6587-7B53-4535-A78A-191FCA4C1A25}" type="datetimeFigureOut">
               <a:rPr lang="en-US" smtClean="0"/>
-              <a:t>9/26/2023</a:t>
+              <a:t>9/26/23</a:t>
             </a:fld>
             <a:endParaRPr lang="en-US"/>
           </a:p>
@@ -4861,7 +4861,7 @@
           <a:p>
             <a:pPr algn="l"/>
             <a:r>
-              <a:rPr lang="en-US" sz="5200"/>
+              <a:rPr lang="en-US" sz="5200" u="sng" dirty="0"/>
               <a:t>Conclusion</a:t>
             </a:r>
           </a:p>
@@ -4881,8 +4881,8 @@
         </p:nvSpPr>
         <p:spPr>
           <a:xfrm>
-            <a:off x="153827" y="1103949"/>
-            <a:ext cx="8781676" cy="6299160"/>
+            <a:off x="-3051" y="865632"/>
+            <a:ext cx="6637117" cy="6835717"/>
           </a:xfrm>
           <a:prstGeom prst="rect">
             <a:avLst/>
@@ -4913,7 +4913,7 @@
                 <a:ea typeface="Calibri"/>
                 <a:cs typeface="Calibri"/>
               </a:rPr>
-              <a:t>The vaccine seemed to have no positive or negative effect on covid-19</a:t>
+              <a:t>The vaccine seemed to have no positive or negative effect on COVID-19</a:t>
             </a:r>
             <a:endParaRPr lang="en-US" dirty="0"/>
           </a:p>
@@ -4931,7 +4931,7 @@
                 <a:ea typeface="Calibri"/>
                 <a:cs typeface="Calibri"/>
               </a:rPr>
-              <a:t>Positive rate or deaths</a:t>
+              <a:t>Positive rate of deaths</a:t>
             </a:r>
           </a:p>
           <a:p>
@@ -4950,7 +4950,7 @@
                 <a:ea typeface="Calibri"/>
                 <a:cs typeface="Calibri"/>
               </a:rPr>
-              <a:t>Booster shots seemed to have no positive effect in protecting from covid-19.</a:t>
+              <a:t>Booster shots seemed to have no positive effect in protecting from COVID-19.</a:t>
             </a:r>
             <a:endParaRPr lang="en-US" sz="1600" dirty="0">
               <a:ea typeface="Calibri"/>
@@ -5007,7 +5007,7 @@
                 <a:ea typeface="Calibri"/>
                 <a:cs typeface="Calibri"/>
               </a:rPr>
-              <a:t>Denmark with %53.5 percent of their population contracting covid.</a:t>
+              <a:t>Denmark with %53.5 percent of its population contracting COVID-19.</a:t>
             </a:r>
           </a:p>
           <a:p>
@@ -5026,7 +5026,7 @@
                 <a:ea typeface="Calibri"/>
                 <a:cs typeface="Calibri"/>
               </a:rPr>
-              <a:t>The country that had the most covid-19 deaths for their population is</a:t>
+              <a:t>The country that had the most COVID-19 deaths for their population is</a:t>
             </a:r>
             <a:endParaRPr lang="en-US" sz="1600" dirty="0">
               <a:ea typeface="Calibri"/>
@@ -5047,7 +5047,7 @@
                 <a:ea typeface="Calibri"/>
                 <a:cs typeface="Calibri"/>
               </a:rPr>
-              <a:t>Czechia with %0.39 percent of their population dying from covid-19.</a:t>
+              <a:t>Czechia with %0.39 percent of their population dying from COVID-19.</a:t>
             </a:r>
             <a:endParaRPr lang="en-US" sz="1600" dirty="0">
               <a:ea typeface="Calibri"/>
@@ -5091,7 +5091,7 @@
                 <a:ea typeface="Calibri"/>
                 <a:cs typeface="Calibri"/>
               </a:rPr>
-              <a:t>South Africa with %6.66 percent of their population  contracting covid-19.</a:t>
+              <a:t>South Africa with %6.66 percent of its population contracting COVID-19.</a:t>
             </a:r>
             <a:endParaRPr lang="en-US" dirty="0"/>
           </a:p>
@@ -5111,7 +5111,7 @@
                 <a:ea typeface="Calibri"/>
                 <a:cs typeface="Calibri"/>
               </a:rPr>
-              <a:t>The country that had the least covid-19 deaths for their population is</a:t>
+              <a:t>The country that had the least COVID-19 deaths for their population is</a:t>
             </a:r>
             <a:endParaRPr lang="en-US" sz="1600" dirty="0">
               <a:ea typeface="Calibri"/>
@@ -5132,7 +5132,7 @@
                 <a:ea typeface="Calibri"/>
                 <a:cs typeface="Calibri"/>
               </a:rPr>
-              <a:t>Japan with %0.025 percent of their population dying from covid-19.</a:t>
+              <a:t>Japan with %0.025 percent of their population dying from COVID-19.</a:t>
             </a:r>
             <a:endParaRPr lang="en-US" dirty="0"/>
           </a:p>
@@ -5190,24 +5190,7 @@
                 <a:ea typeface="Calibri"/>
                 <a:cs typeface="Calibri"/>
               </a:rPr>
-              <a:t>There is no correlation between the prevalence of diabetes and the amount</a:t>
-            </a:r>
-          </a:p>
-          <a:p>
-            <a:pPr>
-              <a:lnSpc>
-                <a:spcPct val="90000"/>
-              </a:lnSpc>
-              <a:spcBef>
-                <a:spcPts val="1000"/>
-              </a:spcBef>
-            </a:pPr>
-            <a:r>
-              <a:rPr lang="en-US" sz="1600" b="1" dirty="0">
-                <a:ea typeface="Calibri"/>
-                <a:cs typeface="Calibri"/>
-              </a:rPr>
-              <a:t>Of positive cases in a country.</a:t>
+              <a:t>There is no correlation between the prevalence of diabetes and the number of positive cases in a country.</a:t>
             </a:r>
           </a:p>
           <a:p>
@@ -5601,8 +5584,8 @@
         </p:nvSpPr>
         <p:spPr>
           <a:xfrm>
-            <a:off x="-3050" y="2036334"/>
-            <a:ext cx="9144000" cy="3703063"/>
+            <a:off x="-3050" y="1755649"/>
+            <a:ext cx="6330698" cy="3852672"/>
           </a:xfrm>
         </p:spPr>
         <p:txBody>
@@ -5744,7 +5727,7 @@
             </a:endParaRPr>
           </a:p>
           <a:p>
-            <a:endParaRPr lang="en-US">
+            <a:endParaRPr lang="en-US" dirty="0">
               <a:ea typeface="Calibri"/>
               <a:cs typeface="Calibri"/>
             </a:endParaRPr>

--- a/Project-3.pptx
+++ b/Project-3.pptx
@@ -3467,7 +3467,7 @@
         </p:blipFill>
         <p:spPr>
           <a:xfrm>
-            <a:off x="2559988" y="-75249"/>
+            <a:off x="2522358" y="0"/>
             <a:ext cx="9669642" cy="6857990"/>
           </a:xfrm>
           <a:prstGeom prst="rect">
@@ -3906,7 +3906,7 @@
         </p:blipFill>
         <p:spPr>
           <a:xfrm>
-            <a:off x="2189020" y="0"/>
+            <a:off x="2185971" y="-3099"/>
             <a:ext cx="10002980" cy="6857990"/>
           </a:xfrm>
           <a:prstGeom prst="rect">
@@ -4056,7 +4056,7 @@
         </p:nvSpPr>
         <p:spPr>
           <a:xfrm>
-            <a:off x="6616700" y="2075970"/>
+            <a:off x="6362375" y="1754695"/>
             <a:ext cx="4564005" cy="4708981"/>
           </a:xfrm>
           <a:prstGeom prst="rect">
@@ -4070,16 +4070,21 @@
           </a:bodyPr>
           <a:lstStyle/>
           <a:p>
+            <a:pPr marL="342900" indent="-342900" algn="ctr">
+              <a:buFont typeface="Arial" panose="020B0604020202020204" pitchFamily="34" charset="0"/>
+              <a:buChar char="•"/>
+            </a:pPr>
             <a:r>
               <a:rPr lang="en-US" sz="2400" dirty="0">
                 <a:solidFill>
                   <a:schemeClr val="bg1"/>
                 </a:solidFill>
               </a:rPr>
-              <a:t>.The r-squared  value is 0.04,  showing that there is no correlation between the prevalence of diabetes in a country and the amount of positive cases.</a:t>
-            </a:r>
-          </a:p>
-          <a:p>
+              <a:t>The r-squared value is 0.04,  showing that there is no correlation between the prevalence of diabetes in a country and the number of positive cases.</a:t>
+            </a:r>
+          </a:p>
+          <a:p>
+            <a:pPr algn="ctr"/>
             <a:endParaRPr lang="en-US" sz="2400" dirty="0">
               <a:solidFill>
                 <a:schemeClr val="bg1"/>
@@ -4087,13 +4092,17 @@
             </a:endParaRPr>
           </a:p>
           <a:p>
+            <a:pPr marL="342900" indent="-342900" algn="ctr">
+              <a:buFont typeface="Arial" panose="020B0604020202020204" pitchFamily="34" charset="0"/>
+              <a:buChar char="•"/>
+            </a:pPr>
             <a:r>
               <a:rPr lang="en-US" sz="2400" dirty="0">
                 <a:solidFill>
                   <a:schemeClr val="bg1"/>
                 </a:solidFill>
               </a:rPr>
-              <a:t>.looking at the graph, as diabetes prevalence increases, the amount of positive cases actually decreases.</a:t>
+              <a:t>Looking at the graph, as diabetes prevalence increases, the amount of positive cases, actually, decreases.</a:t>
             </a:r>
             <a:endParaRPr lang="en-US" sz="2400" dirty="0">
               <a:solidFill>
@@ -4104,6 +4113,7 @@
             </a:endParaRPr>
           </a:p>
           <a:p>
+            <a:pPr algn="ctr"/>
             <a:endParaRPr lang="en-US" dirty="0">
               <a:solidFill>
                 <a:schemeClr val="bg1"/>
@@ -4145,7 +4155,7 @@
         </p:blipFill>
         <p:spPr>
           <a:xfrm>
-            <a:off x="0" y="2076720"/>
+            <a:off x="-15842" y="1754695"/>
             <a:ext cx="5527224" cy="4486862"/>
           </a:xfrm>
           <a:prstGeom prst="rect">
@@ -4321,7 +4331,7 @@
         </p:blipFill>
         <p:spPr>
           <a:xfrm>
-            <a:off x="2189020" y="0"/>
+            <a:off x="2185971" y="-6417"/>
             <a:ext cx="10002980" cy="6857990"/>
           </a:xfrm>
           <a:prstGeom prst="rect">
@@ -4471,8 +4481,8 @@
         </p:nvSpPr>
         <p:spPr>
           <a:xfrm>
-            <a:off x="6732154" y="2072803"/>
-            <a:ext cx="4315777" cy="5078313"/>
+            <a:off x="6437666" y="1416772"/>
+            <a:ext cx="4315777" cy="5447645"/>
           </a:xfrm>
           <a:prstGeom prst="rect">
             <a:avLst/>
@@ -4485,16 +4495,21 @@
           </a:bodyPr>
           <a:lstStyle/>
           <a:p>
+            <a:pPr marL="342900" indent="-342900" algn="ctr">
+              <a:buFont typeface="Arial" panose="020B0604020202020204" pitchFamily="34" charset="0"/>
+              <a:buChar char="•"/>
+            </a:pPr>
             <a:r>
               <a:rPr lang="en-US" sz="2400" dirty="0">
                 <a:solidFill>
                   <a:schemeClr val="bg1"/>
                 </a:solidFill>
               </a:rPr>
-              <a:t>.The r-squared  value is 0.0003,  showing that there is no correlation between the prevalence of diabetes in a country and covid-19 deaths.</a:t>
-            </a:r>
-          </a:p>
-          <a:p>
+              <a:t>The r-squared value is 0.0003,  showing that there is no correlation between the prevalence of diabetes in a country and COVID-19 deaths.</a:t>
+            </a:r>
+          </a:p>
+          <a:p>
+            <a:pPr algn="ctr"/>
             <a:endParaRPr lang="en-US" sz="2400" dirty="0">
               <a:solidFill>
                 <a:schemeClr val="bg1"/>
@@ -4502,13 +4517,17 @@
             </a:endParaRPr>
           </a:p>
           <a:p>
+            <a:pPr marL="342900" indent="-342900" algn="ctr">
+              <a:buFont typeface="Arial" panose="020B0604020202020204" pitchFamily="34" charset="0"/>
+              <a:buChar char="•"/>
+            </a:pPr>
             <a:r>
               <a:rPr lang="en-US" sz="2400" dirty="0">
                 <a:solidFill>
                   <a:schemeClr val="bg1"/>
                 </a:solidFill>
               </a:rPr>
-              <a:t>.looking at the graph, there is no apparent trend or line of best fit, showing that there is no relationship between diabetes prevalence and covid-19 deaths. </a:t>
+              <a:t>Looking at the graph, there is no apparent trend or line of best fit, showing that there is no relationship between diabetes prevalence and COVID-19 deaths. </a:t>
             </a:r>
             <a:endParaRPr lang="en-US" sz="2400" dirty="0">
               <a:solidFill>
@@ -4597,7 +4616,7 @@
         </p:blipFill>
         <p:spPr>
           <a:xfrm>
-            <a:off x="5773" y="2069995"/>
+            <a:off x="116984" y="1896813"/>
             <a:ext cx="5521451" cy="4453178"/>
           </a:xfrm>
           <a:prstGeom prst="rect">
@@ -6078,7 +6097,7 @@
         </p:blipFill>
         <p:spPr>
           <a:xfrm>
-            <a:off x="3049" y="-8412"/>
+            <a:off x="82626" y="-11521"/>
             <a:ext cx="12106325" cy="6866412"/>
           </a:xfrm>
         </p:spPr>
@@ -7024,7 +7043,7 @@
         </p:nvSpPr>
         <p:spPr>
           <a:xfrm>
-            <a:off x="7084291" y="1873925"/>
+            <a:off x="6528237" y="1083093"/>
             <a:ext cx="4194550" cy="4431983"/>
           </a:xfrm>
           <a:prstGeom prst="rect">
@@ -7038,16 +7057,24 @@
           </a:bodyPr>
           <a:lstStyle/>
           <a:p>
+            <a:pPr marL="342900" indent="-342900" algn="ctr">
+              <a:buFont typeface="Arial" panose="020B0604020202020204" pitchFamily="34" charset="0"/>
+              <a:buChar char="•"/>
+            </a:pPr>
             <a:r>
               <a:rPr lang="en-US" sz="2400" dirty="0">
                 <a:solidFill>
                   <a:schemeClr val="bg1"/>
                 </a:solidFill>
               </a:rPr>
-              <a:t>.The r-squared  value is 0.03,  showing that there is no correlation between vaccinations and deaths.</a:t>
-            </a:r>
-          </a:p>
-          <a:p>
+              <a:t>.The r-squared value is 0.03,  showing that there is no correlation between vaccinations and deaths.</a:t>
+            </a:r>
+          </a:p>
+          <a:p>
+            <a:pPr marL="342900" indent="-342900" algn="ctr">
+              <a:buFont typeface="Arial" panose="020B0604020202020204" pitchFamily="34" charset="0"/>
+              <a:buChar char="•"/>
+            </a:pPr>
             <a:endParaRPr lang="en-US" sz="2400" dirty="0">
               <a:solidFill>
                 <a:schemeClr val="bg1"/>
@@ -7055,13 +7082,17 @@
             </a:endParaRPr>
           </a:p>
           <a:p>
+            <a:pPr marL="342900" indent="-342900" algn="ctr">
+              <a:buFont typeface="Arial" panose="020B0604020202020204" pitchFamily="34" charset="0"/>
+              <a:buChar char="•"/>
+            </a:pPr>
             <a:r>
               <a:rPr lang="en-US" sz="2400" dirty="0">
                 <a:solidFill>
                   <a:schemeClr val="bg1"/>
                 </a:solidFill>
               </a:rPr>
-              <a:t>.looking at the graph, as the amount of people vaccinated in a country increase, the amount of covid-19 deaths in that country slightly decreases. </a:t>
+              <a:t>Looking at the graph, as the amount of people vaccinated in a country increases, the amount of COVID-19 deaths in that country slightly decreases. </a:t>
             </a:r>
             <a:endParaRPr lang="en-US" sz="2400" dirty="0">
               <a:solidFill>
@@ -7282,7 +7313,7 @@
         </p:blipFill>
         <p:spPr>
           <a:xfrm>
-            <a:off x="2189018" y="10"/>
+            <a:off x="2189020" y="-2"/>
             <a:ext cx="10002980" cy="6857990"/>
           </a:xfrm>
           <a:prstGeom prst="rect">
@@ -7405,14 +7436,14 @@
           <a:lstStyle/>
           <a:p>
             <a:r>
-              <a:rPr lang="en-US" sz="4000"/>
+              <a:rPr lang="en-US" sz="4000" dirty="0"/>
               <a:t>Boosters Vs </a:t>
             </a:r>
             <a:br>
-              <a:rPr lang="en-US" sz="4000"/>
+              <a:rPr lang="en-US" sz="4000" dirty="0"/>
             </a:br>
             <a:r>
-              <a:rPr lang="en-US" sz="4000"/>
+              <a:rPr lang="en-US" sz="4000" dirty="0"/>
               <a:t>Cases</a:t>
             </a:r>
           </a:p>
@@ -7432,8 +7463,8 @@
         </p:nvSpPr>
         <p:spPr>
           <a:xfrm>
-            <a:off x="6818746" y="2202970"/>
-            <a:ext cx="4875730" cy="4708981"/>
+            <a:off x="6118976" y="1074509"/>
+            <a:ext cx="4875730" cy="5078313"/>
           </a:xfrm>
           <a:prstGeom prst="rect">
             <a:avLst/>
@@ -7446,16 +7477,24 @@
           </a:bodyPr>
           <a:lstStyle/>
           <a:p>
+            <a:pPr marL="342900" indent="-342900" algn="ctr">
+              <a:buFont typeface="Arial" panose="020B0604020202020204" pitchFamily="34" charset="0"/>
+              <a:buChar char="•"/>
+            </a:pPr>
             <a:r>
               <a:rPr lang="en-US" sz="2400" dirty="0">
                 <a:solidFill>
                   <a:schemeClr val="bg1"/>
                 </a:solidFill>
               </a:rPr>
-              <a:t>.The r-squared  value is 0.13,  showing that there is very little positive correlation between the amount of booster shots taken in a country and positive cases.</a:t>
-            </a:r>
-          </a:p>
-          <a:p>
+              <a:t>.The r-squared value is 0.13,  showing that there is very little positive correlation between the amount of booster shots taken in a country and positive cases.</a:t>
+            </a:r>
+          </a:p>
+          <a:p>
+            <a:pPr marL="342900" indent="-342900" algn="ctr">
+              <a:buFont typeface="Arial" panose="020B0604020202020204" pitchFamily="34" charset="0"/>
+              <a:buChar char="•"/>
+            </a:pPr>
             <a:endParaRPr lang="en-US" sz="2400" dirty="0">
               <a:solidFill>
                 <a:schemeClr val="bg1"/>
@@ -7463,13 +7502,17 @@
             </a:endParaRPr>
           </a:p>
           <a:p>
+            <a:pPr marL="342900" indent="-342900" algn="ctr">
+              <a:buFont typeface="Arial" panose="020B0604020202020204" pitchFamily="34" charset="0"/>
+              <a:buChar char="•"/>
+            </a:pPr>
             <a:r>
               <a:rPr lang="en-US" sz="2400" dirty="0">
                 <a:solidFill>
                   <a:schemeClr val="bg1"/>
                 </a:solidFill>
               </a:rPr>
-              <a:t>.looking at the graph, as the total amount of booster shots taken in a country increases, the amount of positive cases in that country also increases. </a:t>
+              <a:t>Looking at the graph, as the total amount of booster shots taken in a country increases, the amount of positive cases in that country also increases. </a:t>
             </a:r>
             <a:endParaRPr lang="en-US" sz="2400" dirty="0">
               <a:solidFill>
@@ -7521,8 +7564,8 @@
         </p:blipFill>
         <p:spPr>
           <a:xfrm>
-            <a:off x="32215" y="2139808"/>
-            <a:ext cx="5437283" cy="4458421"/>
+            <a:off x="32215" y="1519918"/>
+            <a:ext cx="6193273" cy="5078312"/>
           </a:xfrm>
           <a:prstGeom prst="rect">
             <a:avLst/>
@@ -7697,7 +7740,7 @@
         </p:blipFill>
         <p:spPr>
           <a:xfrm>
-            <a:off x="2189018" y="10"/>
+            <a:off x="2176599" y="0"/>
             <a:ext cx="10012352" cy="6857990"/>
           </a:xfrm>
           <a:prstGeom prst="rect">
@@ -7840,7 +7883,7 @@
         </p:nvSpPr>
         <p:spPr>
           <a:xfrm>
-            <a:off x="6847608" y="788652"/>
+            <a:off x="6239519" y="603300"/>
             <a:ext cx="4483187" cy="6555641"/>
           </a:xfrm>
           <a:prstGeom prst="rect">
@@ -7854,13 +7897,17 @@
           </a:bodyPr>
           <a:lstStyle/>
           <a:p>
+            <a:pPr marL="342900" indent="-342900" algn="ctr">
+              <a:buFont typeface="Arial" panose="020B0604020202020204" pitchFamily="34" charset="0"/>
+              <a:buChar char="•"/>
+            </a:pPr>
             <a:r>
               <a:rPr lang="en-US" sz="2400" dirty="0">
                 <a:solidFill>
                   <a:schemeClr val="bg1"/>
                 </a:solidFill>
               </a:rPr>
-              <a:t>.The r-squared  value is 0.005,  showing that there is no correlation between a country's GDP and its amount of positive cases.</a:t>
+              <a:t>The r-squared value is 0.005,  showing that there is no correlation between a country's GDP and its amount of positive cases.</a:t>
             </a:r>
             <a:endParaRPr lang="en-US" sz="2400" dirty="0">
               <a:solidFill>
@@ -7871,6 +7918,10 @@
             </a:endParaRPr>
           </a:p>
           <a:p>
+            <a:pPr marL="342900" indent="-342900" algn="ctr">
+              <a:buFont typeface="Arial" panose="020B0604020202020204" pitchFamily="34" charset="0"/>
+              <a:buChar char="•"/>
+            </a:pPr>
             <a:endParaRPr lang="en-US" sz="2400" dirty="0">
               <a:solidFill>
                 <a:schemeClr val="bg1"/>
@@ -7880,13 +7931,17 @@
             </a:endParaRPr>
           </a:p>
           <a:p>
+            <a:pPr marL="342900" indent="-342900" algn="ctr">
+              <a:buFont typeface="Arial" panose="020B0604020202020204" pitchFamily="34" charset="0"/>
+              <a:buChar char="•"/>
+            </a:pPr>
             <a:r>
               <a:rPr lang="en-US" sz="2400" dirty="0">
                 <a:solidFill>
                   <a:schemeClr val="bg1"/>
                 </a:solidFill>
               </a:rPr>
-              <a:t>.looking at the graph, the slope almost looks like a parabola, where the data is at its lowest in the extremities and highest in the center. </a:t>
+              <a:t>Looking at the graph, the slope almost looks like a parabola, where the data is at its lowest in the extremities and highest in the center. </a:t>
             </a:r>
             <a:endParaRPr lang="en-US" sz="2400" dirty="0">
               <a:solidFill>
@@ -7897,6 +7952,10 @@
             </a:endParaRPr>
           </a:p>
           <a:p>
+            <a:pPr marL="342900" indent="-342900" algn="ctr">
+              <a:buFont typeface="Arial" panose="020B0604020202020204" pitchFamily="34" charset="0"/>
+              <a:buChar char="•"/>
+            </a:pPr>
             <a:endParaRPr lang="en-US" sz="2400" dirty="0">
               <a:solidFill>
                 <a:schemeClr val="bg1"/>
@@ -7906,6 +7965,10 @@
             </a:endParaRPr>
           </a:p>
           <a:p>
+            <a:pPr marL="342900" indent="-342900" algn="ctr">
+              <a:buFont typeface="Arial" panose="020B0604020202020204" pitchFamily="34" charset="0"/>
+              <a:buChar char="•"/>
+            </a:pPr>
             <a:r>
               <a:rPr lang="en-US" sz="2400" dirty="0">
                 <a:solidFill>
@@ -7914,7 +7977,7 @@
                 <a:ea typeface="Calibri"/>
                 <a:cs typeface="Calibri"/>
               </a:rPr>
-              <a:t>.something of note, the countries with lower GDP may have poor recording of data.</a:t>
+              <a:t>Something of note, the countries with lower GDP may have poor recording of data.</a:t>
             </a:r>
           </a:p>
           <a:p>
@@ -7970,8 +8033,8 @@
         </p:blipFill>
         <p:spPr>
           <a:xfrm>
-            <a:off x="-35332" y="2058860"/>
-            <a:ext cx="5563429" cy="4458540"/>
+            <a:off x="6890" y="1334530"/>
+            <a:ext cx="5989271" cy="4799810"/>
           </a:xfrm>
           <a:prstGeom prst="rect">
             <a:avLst/>
@@ -8289,7 +8352,7 @@
         </p:nvSpPr>
         <p:spPr>
           <a:xfrm>
-            <a:off x="6841836" y="1383243"/>
+            <a:off x="6454612" y="1041013"/>
             <a:ext cx="4413914" cy="5816977"/>
           </a:xfrm>
           <a:prstGeom prst="rect">
@@ -8303,16 +8366,24 @@
           </a:bodyPr>
           <a:lstStyle/>
           <a:p>
+            <a:pPr marL="342900" indent="-342900" algn="ctr">
+              <a:buFont typeface="Arial" panose="020B0604020202020204" pitchFamily="34" charset="0"/>
+              <a:buChar char="•"/>
+            </a:pPr>
             <a:r>
               <a:rPr lang="en-US" sz="2400" dirty="0">
                 <a:solidFill>
                   <a:schemeClr val="bg1"/>
                 </a:solidFill>
               </a:rPr>
-              <a:t>.The r-squared  value is 0.002,  showing that there is no correlation between the amount of covid-19 hospitalizations in a country and its positive cases.</a:t>
-            </a:r>
-          </a:p>
-          <a:p>
+              <a:t>.The r-squared value is 0.002,  showing that there is no correlation between the amount of COVID-19 hospitalizations in a country and its positive cases.</a:t>
+            </a:r>
+          </a:p>
+          <a:p>
+            <a:pPr marL="342900" indent="-342900" algn="ctr">
+              <a:buFont typeface="Arial" panose="020B0604020202020204" pitchFamily="34" charset="0"/>
+              <a:buChar char="•"/>
+            </a:pPr>
             <a:endParaRPr lang="en-US" sz="2400" dirty="0">
               <a:solidFill>
                 <a:schemeClr val="bg1"/>
@@ -8320,13 +8391,17 @@
             </a:endParaRPr>
           </a:p>
           <a:p>
+            <a:pPr marL="342900" indent="-342900" algn="ctr">
+              <a:buFont typeface="Arial" panose="020B0604020202020204" pitchFamily="34" charset="0"/>
+              <a:buChar char="•"/>
+            </a:pPr>
             <a:r>
               <a:rPr lang="en-US" sz="2400" dirty="0">
                 <a:solidFill>
                   <a:schemeClr val="bg1"/>
                 </a:solidFill>
               </a:rPr>
-              <a:t>.looking at the graph, it is clear that there is no apparent trend or line of best fit. This means that there is possibly something else that correlates with hospitalizations, so what about GDP? </a:t>
+              <a:t>Looking at the graph, it is clear that there is no apparent trend or line of best fit. This means that there is possibly something else that correlates with hospitalizations, so what about GDP? </a:t>
             </a:r>
             <a:endParaRPr lang="en-US" sz="2400" dirty="0">
               <a:solidFill>
@@ -8378,8 +8453,8 @@
         </p:blipFill>
         <p:spPr>
           <a:xfrm>
-            <a:off x="2418" y="2064070"/>
-            <a:ext cx="5522084" cy="4453330"/>
+            <a:off x="226325" y="1433383"/>
+            <a:ext cx="5993319" cy="4833361"/>
           </a:xfrm>
           <a:prstGeom prst="rect">
             <a:avLst/>
@@ -8554,7 +8629,7 @@
         </p:blipFill>
         <p:spPr>
           <a:xfrm>
-            <a:off x="2189018" y="10"/>
+            <a:off x="2185971" y="0"/>
             <a:ext cx="10002980" cy="6857990"/>
           </a:xfrm>
           <a:prstGeom prst="rect">
@@ -8677,7 +8752,7 @@
           <a:lstStyle/>
           <a:p>
             <a:r>
-              <a:rPr lang="en-US" sz="4000"/>
+              <a:rPr lang="en-US" sz="4000" dirty="0"/>
               <a:t>Hospitalizations Vs GPD</a:t>
             </a:r>
           </a:p>
@@ -8697,8 +8772,8 @@
         </p:nvSpPr>
         <p:spPr>
           <a:xfrm>
-            <a:off x="6668655" y="2070198"/>
-            <a:ext cx="4477413" cy="4708981"/>
+            <a:off x="5874228" y="1678329"/>
+            <a:ext cx="5659150" cy="4339650"/>
           </a:xfrm>
           <a:prstGeom prst="rect">
             <a:avLst/>
@@ -8711,16 +8786,21 @@
           </a:bodyPr>
           <a:lstStyle/>
           <a:p>
+            <a:pPr marL="342900" indent="-342900" algn="ctr">
+              <a:buFont typeface="Arial" panose="020B0604020202020204" pitchFamily="34" charset="0"/>
+              <a:buChar char="•"/>
+            </a:pPr>
             <a:r>
               <a:rPr lang="en-US" sz="2400" dirty="0">
                 <a:solidFill>
                   <a:schemeClr val="bg1"/>
                 </a:solidFill>
               </a:rPr>
-              <a:t>.The r-squared  value is 0.14,  showing that there is very little positive correlation between the GDP in a country and the amount of hospitalizations in that country.</a:t>
-            </a:r>
-          </a:p>
-          <a:p>
+              <a:t>The r-squared value is 0.14,  showing that there is very little positive correlation between the GDP in a country and the amount of hospitalizations in that country.</a:t>
+            </a:r>
+          </a:p>
+          <a:p>
+            <a:pPr algn="ctr"/>
             <a:endParaRPr lang="en-US" sz="2400" dirty="0">
               <a:solidFill>
                 <a:schemeClr val="bg1"/>
@@ -8728,29 +8808,17 @@
             </a:endParaRPr>
           </a:p>
           <a:p>
+            <a:pPr marL="342900" indent="-342900" algn="ctr">
+              <a:buFont typeface="Arial" panose="020B0604020202020204" pitchFamily="34" charset="0"/>
+              <a:buChar char="•"/>
+            </a:pPr>
             <a:r>
               <a:rPr lang="en-US" sz="2400" dirty="0">
                 <a:solidFill>
                   <a:schemeClr val="bg1"/>
                 </a:solidFill>
               </a:rPr>
-              <a:t>.looking at the graph, as the GDP in a country increases, the amount of </a:t>
-            </a:r>
-            <a:r>
-              <a:rPr lang="en-US" sz="2400" dirty="0" err="1">
-                <a:solidFill>
-                  <a:schemeClr val="bg1"/>
-                </a:solidFill>
-              </a:rPr>
-              <a:t>hospitilizations</a:t>
-            </a:r>
-            <a:r>
-              <a:rPr lang="en-US" sz="2400" dirty="0">
-                <a:solidFill>
-                  <a:schemeClr val="bg1"/>
-                </a:solidFill>
-              </a:rPr>
-              <a:t> in that country also increases. </a:t>
+              <a:t>Looking at the graph, as the GDP in a country increases, the amount of hospitalizations in that country also increases. </a:t>
             </a:r>
             <a:endParaRPr lang="en-US" sz="2400" dirty="0">
               <a:solidFill>
@@ -8802,8 +8870,8 @@
         </p:blipFill>
         <p:spPr>
           <a:xfrm>
-            <a:off x="88" y="2070732"/>
-            <a:ext cx="5525997" cy="4533258"/>
+            <a:off x="11197" y="1443282"/>
+            <a:ext cx="5863031" cy="4809744"/>
           </a:xfrm>
           <a:prstGeom prst="rect">
             <a:avLst/>

--- a/Project-3.pptx
+++ b/Project-3.pptx
@@ -7863,8 +7863,8 @@
           <a:lstStyle/>
           <a:p>
             <a:r>
-              <a:rPr lang="en-US" sz="4000"/>
-              <a:t>GPD Vs Cases</a:t>
+              <a:rPr lang="en-US" sz="4000" dirty="0"/>
+              <a:t>GDP Vs Cases</a:t>
             </a:r>
           </a:p>
         </p:txBody>
@@ -8753,7 +8753,7 @@
           <a:p>
             <a:r>
               <a:rPr lang="en-US" sz="4000" dirty="0"/>
-              <a:t>Hospitalizations Vs GPD</a:t>
+              <a:t>Hospitalizations Vs GDP</a:t>
             </a:r>
           </a:p>
         </p:txBody>
